--- a/Powerpoint/Panda Run.pptx
+++ b/Powerpoint/Panda Run.pptx
@@ -108,6 +108,11 @@
       </a:defRPr>
     </a:lvl9pPr>
   </p:defaultTextStyle>
+  <p:extLst>
+    <p:ext uri="{EFAFB233-063F-42B5-8137-9DF3F51BA10A}">
+      <p15:sldGuideLst xmlns:p15="http://schemas.microsoft.com/office/powerpoint/2012/main"/>
+    </p:ext>
+  </p:extLst>
 </p:presentation>
 </file>
 
@@ -262,7 +267,7 @@
           <a:p>
             <a:fld id="{1ECB5883-038C-4696-8E27-1811E470D6D4}" type="datetime1">
               <a:rPr lang="en-US" smtClean="0"/>
-              <a:t>11/14/2024</a:t>
+              <a:t>11/15/2024</a:t>
             </a:fld>
             <a:endParaRPr lang="en-US"/>
           </a:p>
@@ -463,7 +468,7 @@
           <a:p>
             <a:fld id="{61E8A6D4-154B-4E4D-9001-7A6C328D243E}" type="datetime1">
               <a:rPr lang="en-US" smtClean="0"/>
-              <a:t>11/14/2024</a:t>
+              <a:t>11/15/2024</a:t>
             </a:fld>
             <a:endParaRPr lang="en-US"/>
           </a:p>
@@ -674,7 +679,7 @@
           <a:p>
             <a:fld id="{EF880999-9BD6-4929-BDEC-B84E21C16701}" type="datetime1">
               <a:rPr lang="en-US" smtClean="0"/>
-              <a:t>11/14/2024</a:t>
+              <a:t>11/15/2024</a:t>
             </a:fld>
             <a:endParaRPr lang="en-US"/>
           </a:p>
@@ -875,7 +880,7 @@
           <a:p>
             <a:fld id="{579F6069-8263-4296-913A-BC2234E8D32B}" type="datetime1">
               <a:rPr lang="en-US" smtClean="0"/>
-              <a:t>11/14/2024</a:t>
+              <a:t>11/15/2024</a:t>
             </a:fld>
             <a:endParaRPr lang="en-US"/>
           </a:p>
@@ -1155,7 +1160,7 @@
           <a:p>
             <a:fld id="{BC9F5005-EC25-4FB9-B19B-2437F0B120D2}" type="datetime1">
               <a:rPr lang="en-US" smtClean="0"/>
-              <a:t>11/14/2024</a:t>
+              <a:t>11/15/2024</a:t>
             </a:fld>
             <a:endParaRPr lang="en-US"/>
           </a:p>
@@ -1423,7 +1428,7 @@
           <a:p>
             <a:fld id="{0B283B5C-2325-42FF-AF91-C1451D9D66CC}" type="datetime1">
               <a:rPr lang="en-US" smtClean="0"/>
-              <a:t>11/14/2024</a:t>
+              <a:t>11/15/2024</a:t>
             </a:fld>
             <a:endParaRPr lang="en-US"/>
           </a:p>
@@ -1842,7 +1847,7 @@
           <a:p>
             <a:fld id="{0F88DB08-3B01-46DD-99F2-F6F6334EA669}" type="datetime1">
               <a:rPr lang="en-US" smtClean="0"/>
-              <a:t>11/14/2024</a:t>
+              <a:t>11/15/2024</a:t>
             </a:fld>
             <a:endParaRPr lang="en-US"/>
           </a:p>
@@ -1986,7 +1991,7 @@
           <a:p>
             <a:fld id="{5892AC11-ACC3-4129-BBD7-C580BF1A4EE7}" type="datetime1">
               <a:rPr lang="en-US" smtClean="0"/>
-              <a:t>11/14/2024</a:t>
+              <a:t>11/15/2024</a:t>
             </a:fld>
             <a:endParaRPr lang="en-US"/>
           </a:p>
@@ -2102,7 +2107,7 @@
           <a:p>
             <a:fld id="{6D80F7F3-E406-44E2-93AF-674B3F1A2E51}" type="datetime1">
               <a:rPr lang="en-US" smtClean="0"/>
-              <a:t>11/14/2024</a:t>
+              <a:t>11/15/2024</a:t>
             </a:fld>
             <a:endParaRPr lang="en-US"/>
           </a:p>
@@ -2420,7 +2425,7 @@
           <a:p>
             <a:fld id="{2FB1DD93-7C9D-4E53-81F0-DDE57FEA7EDB}" type="datetime1">
               <a:rPr lang="en-US" smtClean="0"/>
-              <a:t>11/14/2024</a:t>
+              <a:t>11/15/2024</a:t>
             </a:fld>
             <a:endParaRPr lang="en-US"/>
           </a:p>
@@ -2713,7 +2718,7 @@
           <a:p>
             <a:fld id="{3DF7BC28-59DE-4F83-B4A1-497203279FAD}" type="datetime1">
               <a:rPr lang="en-US" smtClean="0"/>
-              <a:t>11/14/2024</a:t>
+              <a:t>11/15/2024</a:t>
             </a:fld>
             <a:endParaRPr lang="en-US"/>
           </a:p>
@@ -3013,7 +3018,7 @@
           <a:p>
             <a:fld id="{0BDC4764-F656-4735-9820-9886F8DF1D6A}" type="datetime1">
               <a:rPr lang="en-US" smtClean="0"/>
-              <a:t>11/14/2024</a:t>
+              <a:t>11/15/2024</a:t>
             </a:fld>
             <a:endParaRPr lang="en-US" dirty="0"/>
           </a:p>
@@ -6575,9 +6580,24 @@
           </a:p>
           <a:p>
             <a:r>
-              <a:rPr lang="en-US" dirty="0"/>
+              <a:rPr lang="en-US" dirty="0">
+                <a:hlinkClick r:id="rId5"/>
+              </a:rPr>
               <a:t>https://www.w3schools.com/js/js_math.asp</a:t>
             </a:r>
+            <a:endParaRPr lang="en-US" dirty="0"/>
+          </a:p>
+          <a:p>
+            <a:r>
+              <a:rPr lang="en-US">
+                <a:hlinkClick r:id="rId6"/>
+              </a:rPr>
+              <a:t>https://sketchfab.com/search?q=Panda&amp;type=models</a:t>
+            </a:r>
+            <a:endParaRPr lang="en-US"/>
+          </a:p>
+          <a:p>
+            <a:endParaRPr lang="en-US" dirty="0"/>
           </a:p>
         </p:txBody>
       </p:sp>
